--- a/snake.pptx
+++ b/snake.pptx
@@ -110,7 +110,38 @@
       </a:defRPr>
     </a:lvl9pPr>
   </p:defaultTextStyle>
+  <p:extLst>
+    <p:ext uri="{EFAFB233-063F-42B5-8137-9DF3F51BA10A}">
+      <p15:sldGuideLst xmlns:p15="http://schemas.microsoft.com/office/powerpoint/2012/main"/>
+    </p:ext>
+  </p:extLst>
 </p:presentation>
+</file>
+
+<file path=ppt/commentAuthors.xml><?xml version="1.0" encoding="utf-8"?>
+<p:cmAuthorLst xmlns:a="http://schemas.openxmlformats.org/drawingml/2006/main" xmlns:r="http://schemas.openxmlformats.org/officeDocument/2006/relationships" xmlns:p="http://schemas.openxmlformats.org/presentationml/2006/main">
+  <p:cmAuthor id="1" name="Ученик" initials="У" lastIdx="1" clrIdx="0">
+    <p:extLst>
+      <p:ext uri="{19B8F6BF-5375-455C-9EA6-DF929625EA0E}">
+        <p15:presenceInfo xmlns:p15="http://schemas.microsoft.com/office/powerpoint/2012/main" userId="S-1-5-21-2239003816-2678123731-660991145-1107" providerId="AD"/>
+      </p:ext>
+    </p:extLst>
+  </p:cmAuthor>
+</p:cmAuthorLst>
+</file>
+
+<file path=ppt/comments/comment1.xml><?xml version="1.0" encoding="utf-8"?>
+<p:cmLst xmlns:a="http://schemas.openxmlformats.org/drawingml/2006/main" xmlns:r="http://schemas.openxmlformats.org/officeDocument/2006/relationships" xmlns:p="http://schemas.openxmlformats.org/presentationml/2006/main">
+  <p:cm authorId="1" dt="2025-02-08T18:00:50.015" idx="1">
+    <p:pos x="-523" y="139"/>
+    <p:text/>
+    <p:extLst>
+      <p:ext uri="{C676402C-5697-4E1C-873F-D02D1690AC5C}">
+        <p15:threadingInfo xmlns:p15="http://schemas.microsoft.com/office/powerpoint/2012/main" timeZoneBias="-180"/>
+      </p:ext>
+    </p:extLst>
+  </p:cm>
+</p:cmLst>
 </file>
 
 <file path=ppt/notesMasters/notesMaster1.xml><?xml version="1.0" encoding="utf-8"?>
@@ -195,7 +226,7 @@
           <a:p>
             <a:fld id="{BE80F443-6B84-4893-9E72-39B5EF197B0F}" type="datetimeFigureOut">
               <a:rPr lang="ru-RU" smtClean="0"/>
-              <a:t>22.01.2025</a:t>
+              <a:t>08.02.2025</a:t>
             </a:fld>
             <a:endParaRPr lang="ru-RU"/>
           </a:p>
@@ -609,7 +640,7 @@
           <a:p>
             <a:fld id="{A8A8A6BB-32DB-4E6A-9571-08B6A3118303}" type="datetimeFigureOut">
               <a:rPr lang="ru-RU" smtClean="0"/>
-              <a:t>22.01.2025</a:t>
+              <a:t>08.02.2025</a:t>
             </a:fld>
             <a:endParaRPr lang="ru-RU"/>
           </a:p>
@@ -807,7 +838,7 @@
           <a:p>
             <a:fld id="{A8A8A6BB-32DB-4E6A-9571-08B6A3118303}" type="datetimeFigureOut">
               <a:rPr lang="ru-RU" smtClean="0"/>
-              <a:t>22.01.2025</a:t>
+              <a:t>08.02.2025</a:t>
             </a:fld>
             <a:endParaRPr lang="ru-RU"/>
           </a:p>
@@ -1015,7 +1046,7 @@
           <a:p>
             <a:fld id="{A8A8A6BB-32DB-4E6A-9571-08B6A3118303}" type="datetimeFigureOut">
               <a:rPr lang="ru-RU" smtClean="0"/>
-              <a:t>22.01.2025</a:t>
+              <a:t>08.02.2025</a:t>
             </a:fld>
             <a:endParaRPr lang="ru-RU"/>
           </a:p>
@@ -1213,7 +1244,7 @@
           <a:p>
             <a:fld id="{A8A8A6BB-32DB-4E6A-9571-08B6A3118303}" type="datetimeFigureOut">
               <a:rPr lang="ru-RU" smtClean="0"/>
-              <a:t>22.01.2025</a:t>
+              <a:t>08.02.2025</a:t>
             </a:fld>
             <a:endParaRPr lang="ru-RU"/>
           </a:p>
@@ -1488,7 +1519,7 @@
           <a:p>
             <a:fld id="{A8A8A6BB-32DB-4E6A-9571-08B6A3118303}" type="datetimeFigureOut">
               <a:rPr lang="ru-RU" smtClean="0"/>
-              <a:t>22.01.2025</a:t>
+              <a:t>08.02.2025</a:t>
             </a:fld>
             <a:endParaRPr lang="ru-RU"/>
           </a:p>
@@ -1753,7 +1784,7 @@
           <a:p>
             <a:fld id="{A8A8A6BB-32DB-4E6A-9571-08B6A3118303}" type="datetimeFigureOut">
               <a:rPr lang="ru-RU" smtClean="0"/>
-              <a:t>22.01.2025</a:t>
+              <a:t>08.02.2025</a:t>
             </a:fld>
             <a:endParaRPr lang="ru-RU"/>
           </a:p>
@@ -2165,7 +2196,7 @@
           <a:p>
             <a:fld id="{A8A8A6BB-32DB-4E6A-9571-08B6A3118303}" type="datetimeFigureOut">
               <a:rPr lang="ru-RU" smtClean="0"/>
-              <a:t>22.01.2025</a:t>
+              <a:t>08.02.2025</a:t>
             </a:fld>
             <a:endParaRPr lang="ru-RU"/>
           </a:p>
@@ -2306,7 +2337,7 @@
           <a:p>
             <a:fld id="{A8A8A6BB-32DB-4E6A-9571-08B6A3118303}" type="datetimeFigureOut">
               <a:rPr lang="ru-RU" smtClean="0"/>
-              <a:t>22.01.2025</a:t>
+              <a:t>08.02.2025</a:t>
             </a:fld>
             <a:endParaRPr lang="ru-RU"/>
           </a:p>
@@ -2419,7 +2450,7 @@
           <a:p>
             <a:fld id="{A8A8A6BB-32DB-4E6A-9571-08B6A3118303}" type="datetimeFigureOut">
               <a:rPr lang="ru-RU" smtClean="0"/>
-              <a:t>22.01.2025</a:t>
+              <a:t>08.02.2025</a:t>
             </a:fld>
             <a:endParaRPr lang="ru-RU"/>
           </a:p>
@@ -2730,7 +2761,7 @@
           <a:p>
             <a:fld id="{A8A8A6BB-32DB-4E6A-9571-08B6A3118303}" type="datetimeFigureOut">
               <a:rPr lang="ru-RU" smtClean="0"/>
-              <a:t>22.01.2025</a:t>
+              <a:t>08.02.2025</a:t>
             </a:fld>
             <a:endParaRPr lang="ru-RU"/>
           </a:p>
@@ -3018,7 +3049,7 @@
           <a:p>
             <a:fld id="{A8A8A6BB-32DB-4E6A-9571-08B6A3118303}" type="datetimeFigureOut">
               <a:rPr lang="ru-RU" smtClean="0"/>
-              <a:t>22.01.2025</a:t>
+              <a:t>08.02.2025</a:t>
             </a:fld>
             <a:endParaRPr lang="ru-RU"/>
           </a:p>
@@ -3259,7 +3290,7 @@
           <a:p>
             <a:fld id="{A8A8A6BB-32DB-4E6A-9571-08B6A3118303}" type="datetimeFigureOut">
               <a:rPr lang="ru-RU" smtClean="0"/>
-              <a:t>22.01.2025</a:t>
+              <a:t>08.02.2025</a:t>
             </a:fld>
             <a:endParaRPr lang="ru-RU"/>
           </a:p>
@@ -3729,41 +3760,6 @@
           </a:p>
         </p:txBody>
       </p:sp>
-      <p:pic>
-        <p:nvPicPr>
-          <p:cNvPr id="8" name="Рисунок 7">
-            <a:extLst>
-              <a:ext uri="{FF2B5EF4-FFF2-40B4-BE49-F238E27FC236}">
-                <a16:creationId xmlns:a16="http://schemas.microsoft.com/office/drawing/2014/main" id="{0B54656A-F3B1-496A-8420-10665EBB101E}"/>
-              </a:ext>
-            </a:extLst>
-          </p:cNvPr>
-          <p:cNvPicPr>
-            <a:picLocks noChangeAspect="1"/>
-          </p:cNvPicPr>
-          <p:nvPr/>
-        </p:nvPicPr>
-        <p:blipFill rotWithShape="1">
-          <a:blip r:embed="rId2">
-            <a:extLst>
-              <a:ext uri="{28A0092B-C50C-407E-A947-70E740481C1C}">
-                <a14:useLocalDpi xmlns:a14="http://schemas.microsoft.com/office/drawing/2010/main" val="0"/>
-              </a:ext>
-            </a:extLst>
-          </a:blip>
-          <a:srcRect l="8890" t="-1225" r="8592" b="-904"/>
-          <a:stretch/>
-        </p:blipFill>
-        <p:spPr>
-          <a:xfrm>
-            <a:off x="2890630" y="1351722"/>
-            <a:ext cx="6410739" cy="4487679"/>
-          </a:xfrm>
-          <a:prstGeom prst="rect">
-            <a:avLst/>
-          </a:prstGeom>
-        </p:spPr>
-      </p:pic>
       <p:sp>
         <p:nvSpPr>
           <p:cNvPr id="9" name="TextBox 8">
@@ -3860,6 +3856,42 @@
           </a:p>
         </p:txBody>
       </p:sp>
+      <p:pic>
+        <p:nvPicPr>
+          <p:cNvPr id="3" name="Рисунок 2">
+            <a:extLst>
+              <a:ext uri="{FF2B5EF4-FFF2-40B4-BE49-F238E27FC236}">
+                <a16:creationId xmlns:a16="http://schemas.microsoft.com/office/drawing/2014/main" id="{D25D9684-88DE-4293-95ED-A1D30C9C0581}"/>
+              </a:ext>
+            </a:extLst>
+          </p:cNvPr>
+          <p:cNvPicPr>
+            <a:picLocks noChangeAspect="1"/>
+          </p:cNvPicPr>
+          <p:nvPr/>
+        </p:nvPicPr>
+        <p:blipFill>
+          <a:blip r:embed="rId2">
+            <a:extLst>
+              <a:ext uri="{28A0092B-C50C-407E-A947-70E740481C1C}">
+                <a14:useLocalDpi xmlns:a14="http://schemas.microsoft.com/office/drawing/2010/main" val="0"/>
+              </a:ext>
+            </a:extLst>
+          </a:blip>
+          <a:stretch>
+            <a:fillRect/>
+          </a:stretch>
+        </p:blipFill>
+        <p:spPr>
+          <a:xfrm>
+            <a:off x="3468129" y="1186359"/>
+            <a:ext cx="5255742" cy="5160855"/>
+          </a:xfrm>
+          <a:prstGeom prst="rect">
+            <a:avLst/>
+          </a:prstGeom>
+        </p:spPr>
+      </p:pic>
     </p:spTree>
     <p:extLst>
       <p:ext uri="{BB962C8B-B14F-4D97-AF65-F5344CB8AC3E}">
@@ -3913,7 +3945,7 @@
         <p:spPr>
           <a:xfrm>
             <a:off x="159026" y="188845"/>
-            <a:ext cx="4353340" cy="1938992"/>
+            <a:ext cx="4353340" cy="2308324"/>
           </a:xfrm>
           <a:prstGeom prst="rect">
             <a:avLst/>
@@ -3999,6 +4031,24 @@
               </a:rPr>
               <a:t>Time</a:t>
             </a:r>
+          </a:p>
+          <a:p>
+            <a:pPr marL="457200" indent="-457200">
+              <a:buAutoNum type="arabicParenR"/>
+            </a:pPr>
+            <a:r>
+              <a:rPr lang="en-US" sz="2400" b="1" dirty="0" err="1">
+                <a:solidFill>
+                  <a:schemeClr val="bg1"/>
+                </a:solidFill>
+              </a:rPr>
+              <a:t>os</a:t>
+            </a:r>
+            <a:endParaRPr lang="en-US" sz="2400" b="1" dirty="0">
+              <a:solidFill>
+                <a:schemeClr val="bg1"/>
+              </a:solidFill>
+            </a:endParaRPr>
           </a:p>
         </p:txBody>
       </p:sp>
@@ -4126,8 +4176,8 @@
         </p:nvSpPr>
         <p:spPr>
           <a:xfrm>
-            <a:off x="288235" y="3101008"/>
-            <a:ext cx="3275320" cy="3046988"/>
+            <a:off x="1096103" y="2710391"/>
+            <a:ext cx="3246466" cy="461665"/>
           </a:xfrm>
           <a:prstGeom prst="rect">
             <a:avLst/>
@@ -4146,77 +4196,15 @@
                   <a:schemeClr val="bg1"/>
                 </a:solidFill>
               </a:rPr>
-              <a:t>Структура Программы:</a:t>
-            </a:r>
-          </a:p>
-          <a:p>
+              <a:t>Структура программы</a:t>
+            </a:r>
             <a:r>
               <a:rPr lang="en-US" sz="2400" b="1" dirty="0">
                 <a:solidFill>
                   <a:schemeClr val="bg1"/>
                 </a:solidFill>
               </a:rPr>
-              <a:t>1)Class board</a:t>
-            </a:r>
-          </a:p>
-          <a:p>
-            <a:r>
-              <a:rPr lang="en-US" sz="2400" b="1" dirty="0">
-                <a:solidFill>
-                  <a:schemeClr val="bg1"/>
-                </a:solidFill>
-              </a:rPr>
-              <a:t>2) Class main</a:t>
-            </a:r>
-          </a:p>
-          <a:p>
-            <a:r>
-              <a:rPr lang="en-US" sz="2400" b="1" dirty="0">
-                <a:solidFill>
-                  <a:schemeClr val="bg1"/>
-                </a:solidFill>
-              </a:rPr>
-              <a:t>3) Class snake</a:t>
-            </a:r>
-          </a:p>
-          <a:p>
-            <a:r>
-              <a:rPr lang="en-US" sz="2400" b="1" dirty="0">
-                <a:solidFill>
-                  <a:schemeClr val="bg1"/>
-                </a:solidFill>
-              </a:rPr>
-              <a:t>4) Class apples</a:t>
-            </a:r>
-          </a:p>
-          <a:p>
-            <a:r>
-              <a:rPr lang="en-US" sz="2400" b="1" dirty="0">
-                <a:solidFill>
-                  <a:schemeClr val="bg1"/>
-                </a:solidFill>
-              </a:rPr>
-              <a:t>5) Class strawberries</a:t>
-            </a:r>
-          </a:p>
-          <a:p>
-            <a:r>
-              <a:rPr lang="en-US" sz="2400" b="1" dirty="0">
-                <a:solidFill>
-                  <a:schemeClr val="bg1"/>
-                </a:solidFill>
-              </a:rPr>
-              <a:t>6) Class login</a:t>
-            </a:r>
-          </a:p>
-          <a:p>
-            <a:r>
-              <a:rPr lang="en-US" sz="2400" b="1" dirty="0">
-                <a:solidFill>
-                  <a:schemeClr val="bg1"/>
-                </a:solidFill>
-              </a:rPr>
-              <a:t>7) Class Database</a:t>
+              <a:t>:</a:t>
             </a:r>
           </a:p>
         </p:txBody>
@@ -4256,6 +4244,313 @@
                 </a:solidFill>
               </a:rPr>
               <a:t>2</a:t>
+            </a:r>
+          </a:p>
+        </p:txBody>
+      </p:sp>
+      <p:sp>
+        <p:nvSpPr>
+          <p:cNvPr id="3" name="TextBox 2">
+            <a:extLst>
+              <a:ext uri="{FF2B5EF4-FFF2-40B4-BE49-F238E27FC236}">
+                <a16:creationId xmlns:a16="http://schemas.microsoft.com/office/drawing/2014/main" id="{5DE251DE-1E41-4CFA-9421-9732A38FD117}"/>
+              </a:ext>
+            </a:extLst>
+          </p:cNvPr>
+          <p:cNvSpPr txBox="1"/>
+          <p:nvPr/>
+        </p:nvSpPr>
+        <p:spPr>
+          <a:xfrm>
+            <a:off x="308868" y="4447713"/>
+            <a:ext cx="1574470" cy="369332"/>
+          </a:xfrm>
+          <a:prstGeom prst="rect">
+            <a:avLst/>
+          </a:prstGeom>
+          <a:noFill/>
+        </p:spPr>
+        <p:txBody>
+          <a:bodyPr wrap="none" rtlCol="0">
+            <a:spAutoFit/>
+          </a:bodyPr>
+          <a:lstStyle/>
+          <a:p>
+            <a:r>
+              <a:rPr lang="ru-RU" dirty="0">
+                <a:solidFill>
+                  <a:schemeClr val="bg1"/>
+                </a:solidFill>
+              </a:rPr>
+              <a:t>Главное меню</a:t>
+            </a:r>
+          </a:p>
+        </p:txBody>
+      </p:sp>
+      <p:cxnSp>
+        <p:nvCxnSpPr>
+          <p:cNvPr id="6" name="Прямая со стрелкой 5">
+            <a:extLst>
+              <a:ext uri="{FF2B5EF4-FFF2-40B4-BE49-F238E27FC236}">
+                <a16:creationId xmlns:a16="http://schemas.microsoft.com/office/drawing/2014/main" id="{7CA05814-BA67-47FB-B21D-D659CD4A3760}"/>
+              </a:ext>
+            </a:extLst>
+          </p:cNvPr>
+          <p:cNvCxnSpPr>
+            <a:cxnSpLocks/>
+          </p:cNvCxnSpPr>
+          <p:nvPr/>
+        </p:nvCxnSpPr>
+        <p:spPr>
+          <a:xfrm flipV="1">
+            <a:off x="2015231" y="3613212"/>
+            <a:ext cx="1811045" cy="834501"/>
+          </a:xfrm>
+          <a:prstGeom prst="straightConnector1">
+            <a:avLst/>
+          </a:prstGeom>
+          <a:ln>
+            <a:tailEnd type="triangle"/>
+          </a:ln>
+        </p:spPr>
+        <p:style>
+          <a:lnRef idx="1">
+            <a:schemeClr val="accent3"/>
+          </a:lnRef>
+          <a:fillRef idx="0">
+            <a:schemeClr val="accent3"/>
+          </a:fillRef>
+          <a:effectRef idx="0">
+            <a:schemeClr val="accent3"/>
+          </a:effectRef>
+          <a:fontRef idx="minor">
+            <a:schemeClr val="tx1"/>
+          </a:fontRef>
+        </p:style>
+      </p:cxnSp>
+      <p:pic>
+        <p:nvPicPr>
+          <p:cNvPr id="12" name="Рисунок 11">
+            <a:extLst>
+              <a:ext uri="{FF2B5EF4-FFF2-40B4-BE49-F238E27FC236}">
+                <a16:creationId xmlns:a16="http://schemas.microsoft.com/office/drawing/2014/main" id="{ADF791C3-9DD2-48B9-AB03-9D4C604F7481}"/>
+              </a:ext>
+            </a:extLst>
+          </p:cNvPr>
+          <p:cNvPicPr>
+            <a:picLocks noChangeAspect="1"/>
+          </p:cNvPicPr>
+          <p:nvPr/>
+        </p:nvPicPr>
+        <p:blipFill>
+          <a:blip r:embed="rId2">
+            <a:extLst>
+              <a:ext uri="{28A0092B-C50C-407E-A947-70E740481C1C}">
+                <a14:useLocalDpi xmlns:a14="http://schemas.microsoft.com/office/drawing/2010/main" val="0"/>
+              </a:ext>
+            </a:extLst>
+          </a:blip>
+          <a:stretch>
+            <a:fillRect/>
+          </a:stretch>
+        </p:blipFill>
+        <p:spPr>
+          <a:xfrm>
+            <a:off x="159026" y="4817045"/>
+            <a:ext cx="2202037" cy="1969428"/>
+          </a:xfrm>
+          <a:prstGeom prst="rect">
+            <a:avLst/>
+          </a:prstGeom>
+        </p:spPr>
+      </p:pic>
+      <p:sp>
+        <p:nvSpPr>
+          <p:cNvPr id="13" name="TextBox 12">
+            <a:extLst>
+              <a:ext uri="{FF2B5EF4-FFF2-40B4-BE49-F238E27FC236}">
+                <a16:creationId xmlns:a16="http://schemas.microsoft.com/office/drawing/2014/main" id="{971A1FAA-1945-41D5-87F5-8403E96FA306}"/>
+              </a:ext>
+            </a:extLst>
+          </p:cNvPr>
+          <p:cNvSpPr txBox="1"/>
+          <p:nvPr/>
+        </p:nvSpPr>
+        <p:spPr>
+          <a:xfrm>
+            <a:off x="3826276" y="3397885"/>
+            <a:ext cx="1978490" cy="369332"/>
+          </a:xfrm>
+          <a:prstGeom prst="rect">
+            <a:avLst/>
+          </a:prstGeom>
+          <a:noFill/>
+        </p:spPr>
+        <p:txBody>
+          <a:bodyPr wrap="none" rtlCol="0">
+            <a:spAutoFit/>
+          </a:bodyPr>
+          <a:lstStyle/>
+          <a:p>
+            <a:r>
+              <a:rPr lang="ru-RU" dirty="0">
+                <a:solidFill>
+                  <a:schemeClr val="bg1"/>
+                </a:solidFill>
+              </a:rPr>
+              <a:t>Таблица рекордов</a:t>
+            </a:r>
+          </a:p>
+        </p:txBody>
+      </p:sp>
+      <p:pic>
+        <p:nvPicPr>
+          <p:cNvPr id="15" name="Рисунок 14">
+            <a:extLst>
+              <a:ext uri="{FF2B5EF4-FFF2-40B4-BE49-F238E27FC236}">
+                <a16:creationId xmlns:a16="http://schemas.microsoft.com/office/drawing/2014/main" id="{654B66C3-9179-4D13-BA23-E6962FD18FFE}"/>
+              </a:ext>
+            </a:extLst>
+          </p:cNvPr>
+          <p:cNvPicPr>
+            <a:picLocks noChangeAspect="1"/>
+          </p:cNvPicPr>
+          <p:nvPr/>
+        </p:nvPicPr>
+        <p:blipFill>
+          <a:blip r:embed="rId3">
+            <a:extLst>
+              <a:ext uri="{28A0092B-C50C-407E-A947-70E740481C1C}">
+                <a14:useLocalDpi xmlns:a14="http://schemas.microsoft.com/office/drawing/2010/main" val="0"/>
+              </a:ext>
+            </a:extLst>
+          </a:blip>
+          <a:stretch>
+            <a:fillRect/>
+          </a:stretch>
+        </p:blipFill>
+        <p:spPr>
+          <a:xfrm>
+            <a:off x="3974713" y="3767217"/>
+            <a:ext cx="1830053" cy="1633254"/>
+          </a:xfrm>
+          <a:prstGeom prst="rect">
+            <a:avLst/>
+          </a:prstGeom>
+        </p:spPr>
+      </p:pic>
+      <p:cxnSp>
+        <p:nvCxnSpPr>
+          <p:cNvPr id="17" name="Прямая со стрелкой 16">
+            <a:extLst>
+              <a:ext uri="{FF2B5EF4-FFF2-40B4-BE49-F238E27FC236}">
+                <a16:creationId xmlns:a16="http://schemas.microsoft.com/office/drawing/2014/main" id="{C2977653-4701-452B-BED3-341A1BF77CA2}"/>
+              </a:ext>
+            </a:extLst>
+          </p:cNvPr>
+          <p:cNvCxnSpPr>
+            <a:cxnSpLocks/>
+          </p:cNvCxnSpPr>
+          <p:nvPr/>
+        </p:nvCxnSpPr>
+        <p:spPr>
+          <a:xfrm>
+            <a:off x="2509500" y="5020389"/>
+            <a:ext cx="2676649" cy="1257581"/>
+          </a:xfrm>
+          <a:prstGeom prst="straightConnector1">
+            <a:avLst/>
+          </a:prstGeom>
+          <a:ln>
+            <a:tailEnd type="triangle"/>
+          </a:ln>
+        </p:spPr>
+        <p:style>
+          <a:lnRef idx="2">
+            <a:schemeClr val="accent3"/>
+          </a:lnRef>
+          <a:fillRef idx="0">
+            <a:schemeClr val="accent3"/>
+          </a:fillRef>
+          <a:effectRef idx="1">
+            <a:schemeClr val="accent3"/>
+          </a:effectRef>
+          <a:fontRef idx="minor">
+            <a:schemeClr val="tx1"/>
+          </a:fontRef>
+        </p:style>
+      </p:cxnSp>
+      <p:pic>
+        <p:nvPicPr>
+          <p:cNvPr id="21" name="Рисунок 20">
+            <a:extLst>
+              <a:ext uri="{FF2B5EF4-FFF2-40B4-BE49-F238E27FC236}">
+                <a16:creationId xmlns:a16="http://schemas.microsoft.com/office/drawing/2014/main" id="{3028A585-1E43-48B1-A9B1-1BDAB00756BB}"/>
+              </a:ext>
+            </a:extLst>
+          </p:cNvPr>
+          <p:cNvPicPr>
+            <a:picLocks noChangeAspect="1"/>
+          </p:cNvPicPr>
+          <p:nvPr/>
+        </p:nvPicPr>
+        <p:blipFill>
+          <a:blip r:embed="rId4">
+            <a:extLst>
+              <a:ext uri="{28A0092B-C50C-407E-A947-70E740481C1C}">
+                <a14:useLocalDpi xmlns:a14="http://schemas.microsoft.com/office/drawing/2010/main" val="0"/>
+              </a:ext>
+            </a:extLst>
+          </a:blip>
+          <a:stretch>
+            <a:fillRect/>
+          </a:stretch>
+        </p:blipFill>
+        <p:spPr>
+          <a:xfrm>
+            <a:off x="6076219" y="4315188"/>
+            <a:ext cx="2202038" cy="1962782"/>
+          </a:xfrm>
+          <a:prstGeom prst="rect">
+            <a:avLst/>
+          </a:prstGeom>
+        </p:spPr>
+      </p:pic>
+      <p:sp>
+        <p:nvSpPr>
+          <p:cNvPr id="22" name="TextBox 21">
+            <a:extLst>
+              <a:ext uri="{FF2B5EF4-FFF2-40B4-BE49-F238E27FC236}">
+                <a16:creationId xmlns:a16="http://schemas.microsoft.com/office/drawing/2014/main" id="{777DDB4D-1A6C-4B0E-82E4-DC5703D0A001}"/>
+              </a:ext>
+            </a:extLst>
+          </p:cNvPr>
+          <p:cNvSpPr txBox="1"/>
+          <p:nvPr/>
+        </p:nvSpPr>
+        <p:spPr>
+          <a:xfrm>
+            <a:off x="5453171" y="6299823"/>
+            <a:ext cx="901209" cy="369332"/>
+          </a:xfrm>
+          <a:prstGeom prst="rect">
+            <a:avLst/>
+          </a:prstGeom>
+          <a:noFill/>
+        </p:spPr>
+        <p:txBody>
+          <a:bodyPr wrap="none" rtlCol="0">
+            <a:spAutoFit/>
+          </a:bodyPr>
+          <a:lstStyle/>
+          <a:p>
+            <a:r>
+              <a:rPr lang="ru-RU" dirty="0">
+                <a:solidFill>
+                  <a:schemeClr val="bg1"/>
+                </a:solidFill>
+              </a:rPr>
+              <a:t>Уровни</a:t>
             </a:r>
           </a:p>
         </p:txBody>
@@ -4298,76 +4593,6 @@
           <a:chExt cx="0" cy="0"/>
         </a:xfrm>
       </p:grpSpPr>
-      <p:pic>
-        <p:nvPicPr>
-          <p:cNvPr id="3" name="Рисунок 2">
-            <a:extLst>
-              <a:ext uri="{FF2B5EF4-FFF2-40B4-BE49-F238E27FC236}">
-                <a16:creationId xmlns:a16="http://schemas.microsoft.com/office/drawing/2014/main" id="{EE104107-A9DA-4357-8044-4795BF67EC2B}"/>
-              </a:ext>
-            </a:extLst>
-          </p:cNvPr>
-          <p:cNvPicPr>
-            <a:picLocks noChangeAspect="1"/>
-          </p:cNvPicPr>
-          <p:nvPr/>
-        </p:nvPicPr>
-        <p:blipFill rotWithShape="1">
-          <a:blip r:embed="rId2">
-            <a:extLst>
-              <a:ext uri="{28A0092B-C50C-407E-A947-70E740481C1C}">
-                <a14:useLocalDpi xmlns:a14="http://schemas.microsoft.com/office/drawing/2010/main" val="0"/>
-              </a:ext>
-            </a:extLst>
-          </a:blip>
-          <a:srcRect l="19113" t="32259" r="17257" b="22580"/>
-          <a:stretch/>
-        </p:blipFill>
-        <p:spPr>
-          <a:xfrm>
-            <a:off x="0" y="1090874"/>
-            <a:ext cx="6430296" cy="2567229"/>
-          </a:xfrm>
-          <a:prstGeom prst="rect">
-            <a:avLst/>
-          </a:prstGeom>
-        </p:spPr>
-      </p:pic>
-      <p:pic>
-        <p:nvPicPr>
-          <p:cNvPr id="5" name="Рисунок 4">
-            <a:extLst>
-              <a:ext uri="{FF2B5EF4-FFF2-40B4-BE49-F238E27FC236}">
-                <a16:creationId xmlns:a16="http://schemas.microsoft.com/office/drawing/2014/main" id="{0A9CD582-974F-4927-9FCD-CC99FD06D576}"/>
-              </a:ext>
-            </a:extLst>
-          </p:cNvPr>
-          <p:cNvPicPr>
-            <a:picLocks noChangeAspect="1"/>
-          </p:cNvPicPr>
-          <p:nvPr/>
-        </p:nvPicPr>
-        <p:blipFill rotWithShape="1">
-          <a:blip r:embed="rId3">
-            <a:extLst>
-              <a:ext uri="{28A0092B-C50C-407E-A947-70E740481C1C}">
-                <a14:useLocalDpi xmlns:a14="http://schemas.microsoft.com/office/drawing/2010/main" val="0"/>
-              </a:ext>
-            </a:extLst>
-          </a:blip>
-          <a:srcRect l="33145" t="32258" r="33468" b="24301"/>
-          <a:stretch/>
-        </p:blipFill>
-        <p:spPr>
-          <a:xfrm>
-            <a:off x="6635834" y="995009"/>
-            <a:ext cx="5320192" cy="3893763"/>
-          </a:xfrm>
-          <a:prstGeom prst="rect">
-            <a:avLst/>
-          </a:prstGeom>
-        </p:spPr>
-      </p:pic>
       <p:sp>
         <p:nvSpPr>
           <p:cNvPr id="7" name="TextBox 6">
@@ -4407,6 +4632,224 @@
           </a:p>
         </p:txBody>
       </p:sp>
+      <p:sp>
+        <p:nvSpPr>
+          <p:cNvPr id="2" name="TextBox 1">
+            <a:extLst>
+              <a:ext uri="{FF2B5EF4-FFF2-40B4-BE49-F238E27FC236}">
+                <a16:creationId xmlns:a16="http://schemas.microsoft.com/office/drawing/2014/main" id="{601E3642-88AC-4B55-BF4F-5314F4A791B8}"/>
+              </a:ext>
+            </a:extLst>
+          </p:cNvPr>
+          <p:cNvSpPr txBox="1"/>
+          <p:nvPr/>
+        </p:nvSpPr>
+        <p:spPr>
+          <a:xfrm>
+            <a:off x="235974" y="3675033"/>
+            <a:ext cx="2148537" cy="2308324"/>
+          </a:xfrm>
+          <a:prstGeom prst="rect">
+            <a:avLst/>
+          </a:prstGeom>
+          <a:noFill/>
+        </p:spPr>
+        <p:txBody>
+          <a:bodyPr wrap="none" rtlCol="0">
+            <a:spAutoFit/>
+          </a:bodyPr>
+          <a:lstStyle/>
+          <a:p>
+            <a:r>
+              <a:rPr lang="ru-RU" b="1" dirty="0">
+                <a:solidFill>
+                  <a:schemeClr val="bg1"/>
+                </a:solidFill>
+              </a:rPr>
+              <a:t>Классы:</a:t>
+            </a:r>
+          </a:p>
+          <a:p>
+            <a:r>
+              <a:rPr lang="en-US" b="1" dirty="0">
+                <a:solidFill>
+                  <a:schemeClr val="bg1"/>
+                </a:solidFill>
+              </a:rPr>
+              <a:t>1)Class Fruit</a:t>
+            </a:r>
+          </a:p>
+          <a:p>
+            <a:r>
+              <a:rPr lang="en-US" b="1" dirty="0">
+                <a:solidFill>
+                  <a:schemeClr val="bg1"/>
+                </a:solidFill>
+              </a:rPr>
+              <a:t>2) Class main</a:t>
+            </a:r>
+          </a:p>
+          <a:p>
+            <a:r>
+              <a:rPr lang="en-US" b="1" dirty="0">
+                <a:solidFill>
+                  <a:schemeClr val="bg1"/>
+                </a:solidFill>
+              </a:rPr>
+              <a:t>3) Class snake</a:t>
+            </a:r>
+          </a:p>
+          <a:p>
+            <a:r>
+              <a:rPr lang="en-US" b="1" dirty="0">
+                <a:solidFill>
+                  <a:schemeClr val="bg1"/>
+                </a:solidFill>
+              </a:rPr>
+              <a:t>4) Class Animation</a:t>
+            </a:r>
+          </a:p>
+          <a:p>
+            <a:r>
+              <a:rPr lang="en-US" b="1" dirty="0">
+                <a:solidFill>
+                  <a:schemeClr val="bg1"/>
+                </a:solidFill>
+              </a:rPr>
+              <a:t>5) Class strawberries</a:t>
+            </a:r>
+          </a:p>
+          <a:p>
+            <a:r>
+              <a:rPr lang="en-US" b="1" dirty="0">
+                <a:solidFill>
+                  <a:schemeClr val="bg1"/>
+                </a:solidFill>
+              </a:rPr>
+              <a:t>6) Class Button</a:t>
+            </a:r>
+          </a:p>
+          <a:p>
+            <a:r>
+              <a:rPr lang="en-US" b="1" dirty="0">
+                <a:solidFill>
+                  <a:schemeClr val="bg1"/>
+                </a:solidFill>
+              </a:rPr>
+              <a:t>7) Class Database</a:t>
+            </a:r>
+            <a:endParaRPr lang="ru-RU" dirty="0"/>
+          </a:p>
+        </p:txBody>
+      </p:sp>
+      <p:pic>
+        <p:nvPicPr>
+          <p:cNvPr id="6" name="Рисунок 5">
+            <a:extLst>
+              <a:ext uri="{FF2B5EF4-FFF2-40B4-BE49-F238E27FC236}">
+                <a16:creationId xmlns:a16="http://schemas.microsoft.com/office/drawing/2014/main" id="{16056D46-A1F2-4ED9-92E8-A109339D03BE}"/>
+              </a:ext>
+            </a:extLst>
+          </p:cNvPr>
+          <p:cNvPicPr>
+            <a:picLocks noChangeAspect="1"/>
+          </p:cNvPicPr>
+          <p:nvPr/>
+        </p:nvPicPr>
+        <p:blipFill>
+          <a:blip r:embed="rId2">
+            <a:extLst>
+              <a:ext uri="{28A0092B-C50C-407E-A947-70E740481C1C}">
+                <a14:useLocalDpi xmlns:a14="http://schemas.microsoft.com/office/drawing/2010/main" val="0"/>
+              </a:ext>
+            </a:extLst>
+          </a:blip>
+          <a:stretch>
+            <a:fillRect/>
+          </a:stretch>
+        </p:blipFill>
+        <p:spPr>
+          <a:xfrm>
+            <a:off x="456282" y="602797"/>
+            <a:ext cx="3254022" cy="2491956"/>
+          </a:xfrm>
+          <a:prstGeom prst="rect">
+            <a:avLst/>
+          </a:prstGeom>
+        </p:spPr>
+      </p:pic>
+      <p:pic>
+        <p:nvPicPr>
+          <p:cNvPr id="9" name="Рисунок 8">
+            <a:extLst>
+              <a:ext uri="{FF2B5EF4-FFF2-40B4-BE49-F238E27FC236}">
+                <a16:creationId xmlns:a16="http://schemas.microsoft.com/office/drawing/2014/main" id="{963A94E6-3220-4DD2-83D2-32BFAC5925DD}"/>
+              </a:ext>
+            </a:extLst>
+          </p:cNvPr>
+          <p:cNvPicPr>
+            <a:picLocks noChangeAspect="1"/>
+          </p:cNvPicPr>
+          <p:nvPr/>
+        </p:nvPicPr>
+        <p:blipFill>
+          <a:blip r:embed="rId3">
+            <a:extLst>
+              <a:ext uri="{28A0092B-C50C-407E-A947-70E740481C1C}">
+                <a14:useLocalDpi xmlns:a14="http://schemas.microsoft.com/office/drawing/2010/main" val="0"/>
+              </a:ext>
+            </a:extLst>
+          </a:blip>
+          <a:stretch>
+            <a:fillRect/>
+          </a:stretch>
+        </p:blipFill>
+        <p:spPr>
+          <a:xfrm>
+            <a:off x="4595123" y="941033"/>
+            <a:ext cx="2764466" cy="2073349"/>
+          </a:xfrm>
+          <a:prstGeom prst="rect">
+            <a:avLst/>
+          </a:prstGeom>
+        </p:spPr>
+      </p:pic>
+      <p:pic>
+        <p:nvPicPr>
+          <p:cNvPr id="11" name="Рисунок 10">
+            <a:extLst>
+              <a:ext uri="{FF2B5EF4-FFF2-40B4-BE49-F238E27FC236}">
+                <a16:creationId xmlns:a16="http://schemas.microsoft.com/office/drawing/2014/main" id="{D2AD2B8A-983F-4AAC-A7D5-DBC4769C5933}"/>
+              </a:ext>
+            </a:extLst>
+          </p:cNvPr>
+          <p:cNvPicPr>
+            <a:picLocks noChangeAspect="1"/>
+          </p:cNvPicPr>
+          <p:nvPr/>
+        </p:nvPicPr>
+        <p:blipFill>
+          <a:blip r:embed="rId4">
+            <a:extLst>
+              <a:ext uri="{28A0092B-C50C-407E-A947-70E740481C1C}">
+                <a14:useLocalDpi xmlns:a14="http://schemas.microsoft.com/office/drawing/2010/main" val="0"/>
+              </a:ext>
+            </a:extLst>
+          </a:blip>
+          <a:stretch>
+            <a:fillRect/>
+          </a:stretch>
+        </p:blipFill>
+        <p:spPr>
+          <a:xfrm>
+            <a:off x="8313020" y="692722"/>
+            <a:ext cx="3003786" cy="2596192"/>
+          </a:xfrm>
+          <a:prstGeom prst="rect">
+            <a:avLst/>
+          </a:prstGeom>
+        </p:spPr>
+      </p:pic>
     </p:spTree>
     <p:extLst>
       <p:ext uri="{BB962C8B-B14F-4D97-AF65-F5344CB8AC3E}">
@@ -4445,215 +4888,6 @@
           <a:chExt cx="0" cy="0"/>
         </a:xfrm>
       </p:grpSpPr>
-      <p:pic>
-        <p:nvPicPr>
-          <p:cNvPr id="3" name="Рисунок 2">
-            <a:extLst>
-              <a:ext uri="{FF2B5EF4-FFF2-40B4-BE49-F238E27FC236}">
-                <a16:creationId xmlns:a16="http://schemas.microsoft.com/office/drawing/2014/main" id="{49D5A1A1-490F-490C-A21F-F4EAC097E790}"/>
-              </a:ext>
-            </a:extLst>
-          </p:cNvPr>
-          <p:cNvPicPr>
-            <a:picLocks noChangeAspect="1"/>
-          </p:cNvPicPr>
-          <p:nvPr/>
-        </p:nvPicPr>
-        <p:blipFill rotWithShape="1">
-          <a:blip r:embed="rId2">
-            <a:extLst>
-              <a:ext uri="{28A0092B-C50C-407E-A947-70E740481C1C}">
-                <a14:useLocalDpi xmlns:a14="http://schemas.microsoft.com/office/drawing/2010/main" val="0"/>
-              </a:ext>
-            </a:extLst>
-          </a:blip>
-          <a:srcRect l="32662" t="31397" r="30926" b="24087"/>
-          <a:stretch/>
-        </p:blipFill>
-        <p:spPr>
-          <a:xfrm>
-            <a:off x="933861" y="1050822"/>
-            <a:ext cx="4814563" cy="3311013"/>
-          </a:xfrm>
-          <a:prstGeom prst="rect">
-            <a:avLst/>
-          </a:prstGeom>
-        </p:spPr>
-      </p:pic>
-      <p:pic>
-        <p:nvPicPr>
-          <p:cNvPr id="5" name="Рисунок 4">
-            <a:extLst>
-              <a:ext uri="{FF2B5EF4-FFF2-40B4-BE49-F238E27FC236}">
-                <a16:creationId xmlns:a16="http://schemas.microsoft.com/office/drawing/2014/main" id="{F66F7085-3AAA-47D9-9EC4-747F90B49437}"/>
-              </a:ext>
-            </a:extLst>
-          </p:cNvPr>
-          <p:cNvPicPr>
-            <a:picLocks noChangeAspect="1"/>
-          </p:cNvPicPr>
-          <p:nvPr/>
-        </p:nvPicPr>
-        <p:blipFill rotWithShape="1">
-          <a:blip r:embed="rId3">
-            <a:extLst>
-              <a:ext uri="{28A0092B-C50C-407E-A947-70E740481C1C}">
-                <a14:useLocalDpi xmlns:a14="http://schemas.microsoft.com/office/drawing/2010/main" val="0"/>
-              </a:ext>
-            </a:extLst>
-          </a:blip>
-          <a:srcRect l="33387" t="35914" r="35524" b="24947"/>
-          <a:stretch/>
-        </p:blipFill>
-        <p:spPr>
-          <a:xfrm>
-            <a:off x="6582697" y="1061884"/>
-            <a:ext cx="4675442" cy="3311013"/>
-          </a:xfrm>
-          <a:prstGeom prst="rect">
-            <a:avLst/>
-          </a:prstGeom>
-        </p:spPr>
-      </p:pic>
-      <p:sp>
-        <p:nvSpPr>
-          <p:cNvPr id="6" name="TextBox 5">
-            <a:extLst>
-              <a:ext uri="{FF2B5EF4-FFF2-40B4-BE49-F238E27FC236}">
-                <a16:creationId xmlns:a16="http://schemas.microsoft.com/office/drawing/2014/main" id="{3F77E050-7E5D-4F36-BA94-81BDE94D9313}"/>
-              </a:ext>
-            </a:extLst>
-          </p:cNvPr>
-          <p:cNvSpPr txBox="1"/>
-          <p:nvPr/>
-        </p:nvSpPr>
-        <p:spPr>
-          <a:xfrm>
-            <a:off x="933861" y="4641574"/>
-            <a:ext cx="4814564" cy="923330"/>
-          </a:xfrm>
-          <a:prstGeom prst="rect">
-            <a:avLst/>
-          </a:prstGeom>
-          <a:noFill/>
-        </p:spPr>
-        <p:txBody>
-          <a:bodyPr wrap="square" rtlCol="0">
-            <a:spAutoFit/>
-          </a:bodyPr>
-          <a:lstStyle/>
-          <a:p>
-            <a:r>
-              <a:rPr lang="ru-RU" b="1" dirty="0">
-                <a:solidFill>
-                  <a:schemeClr val="bg1"/>
-                </a:solidFill>
-              </a:rPr>
-              <a:t>Реализует взаимодействие между классами</a:t>
-            </a:r>
-            <a:r>
-              <a:rPr lang="en-US" b="1" dirty="0">
-                <a:solidFill>
-                  <a:schemeClr val="bg1"/>
-                </a:solidFill>
-              </a:rPr>
-              <a:t>, </a:t>
-            </a:r>
-            <a:r>
-              <a:rPr lang="ru-RU" b="1" dirty="0">
-                <a:solidFill>
-                  <a:schemeClr val="bg1"/>
-                </a:solidFill>
-              </a:rPr>
-              <a:t>запускает авторизацию</a:t>
-            </a:r>
-            <a:r>
-              <a:rPr lang="en-US" b="1" dirty="0">
-                <a:solidFill>
-                  <a:schemeClr val="bg1"/>
-                </a:solidFill>
-              </a:rPr>
-              <a:t>, </a:t>
-            </a:r>
-            <a:r>
-              <a:rPr lang="ru-RU" b="1" dirty="0">
-                <a:solidFill>
-                  <a:schemeClr val="bg1"/>
-                </a:solidFill>
-              </a:rPr>
-              <a:t>главное меню и вход в игру</a:t>
-            </a:r>
-            <a:r>
-              <a:rPr lang="en-US" b="1" dirty="0">
-                <a:solidFill>
-                  <a:schemeClr val="bg1"/>
-                </a:solidFill>
-              </a:rPr>
-              <a:t>. </a:t>
-            </a:r>
-            <a:r>
-              <a:rPr lang="ru-RU" b="1" dirty="0">
-                <a:solidFill>
-                  <a:schemeClr val="bg1"/>
-                </a:solidFill>
-              </a:rPr>
-              <a:t>Здесь происходит отрисовка поля</a:t>
-            </a:r>
-            <a:r>
-              <a:rPr lang="en-US" b="1" dirty="0">
-                <a:solidFill>
-                  <a:schemeClr val="bg1"/>
-                </a:solidFill>
-              </a:rPr>
-              <a:t>.</a:t>
-            </a:r>
-            <a:endParaRPr lang="ru-RU" b="1" dirty="0">
-              <a:solidFill>
-                <a:schemeClr val="bg1"/>
-              </a:solidFill>
-            </a:endParaRPr>
-          </a:p>
-        </p:txBody>
-      </p:sp>
-      <p:sp>
-        <p:nvSpPr>
-          <p:cNvPr id="9" name="TextBox 8">
-            <a:extLst>
-              <a:ext uri="{FF2B5EF4-FFF2-40B4-BE49-F238E27FC236}">
-                <a16:creationId xmlns:a16="http://schemas.microsoft.com/office/drawing/2014/main" id="{AB97BDC4-C019-4496-AAEC-C0C89D220C68}"/>
-              </a:ext>
-            </a:extLst>
-          </p:cNvPr>
-          <p:cNvSpPr txBox="1"/>
-          <p:nvPr/>
-        </p:nvSpPr>
-        <p:spPr>
-          <a:xfrm>
-            <a:off x="7354956" y="4733907"/>
-            <a:ext cx="4542182" cy="369332"/>
-          </a:xfrm>
-          <a:prstGeom prst="rect">
-            <a:avLst/>
-          </a:prstGeom>
-          <a:noFill/>
-        </p:spPr>
-        <p:txBody>
-          <a:bodyPr wrap="square" rtlCol="0">
-            <a:spAutoFit/>
-          </a:bodyPr>
-          <a:lstStyle/>
-          <a:p>
-            <a:r>
-              <a:rPr lang="ru-RU" b="1" dirty="0">
-                <a:solidFill>
-                  <a:schemeClr val="bg1"/>
-                </a:solidFill>
-              </a:rPr>
-              <a:t>Основной цикл игры</a:t>
-            </a:r>
-          </a:p>
-        </p:txBody>
-      </p:sp>
       <p:sp>
         <p:nvSpPr>
           <p:cNvPr id="10" name="TextBox 9">
